--- a/resources/ppt-slides/sequence-data-method-call.pptx
+++ b/resources/ppt-slides/sequence-data-method-call.pptx
@@ -250,7 +250,7 @@
           <a:p>
             <a:fld id="{964302DC-9F53-934F-AE4D-0F1F197008C1}" type="datetimeFigureOut">
               <a:rPr lang="en-US" smtClean="0"/>
-              <a:t>2/9/24</a:t>
+              <a:t>1/23/24</a:t>
             </a:fld>
             <a:endParaRPr lang="en-US"/>
           </a:p>
@@ -420,7 +420,7 @@
           <a:p>
             <a:fld id="{964302DC-9F53-934F-AE4D-0F1F197008C1}" type="datetimeFigureOut">
               <a:rPr lang="en-US" smtClean="0"/>
-              <a:t>2/9/24</a:t>
+              <a:t>1/23/24</a:t>
             </a:fld>
             <a:endParaRPr lang="en-US"/>
           </a:p>
@@ -600,7 +600,7 @@
           <a:p>
             <a:fld id="{964302DC-9F53-934F-AE4D-0F1F197008C1}" type="datetimeFigureOut">
               <a:rPr lang="en-US" smtClean="0"/>
-              <a:t>2/9/24</a:t>
+              <a:t>1/23/24</a:t>
             </a:fld>
             <a:endParaRPr lang="en-US"/>
           </a:p>
@@ -770,7 +770,7 @@
           <a:p>
             <a:fld id="{964302DC-9F53-934F-AE4D-0F1F197008C1}" type="datetimeFigureOut">
               <a:rPr lang="en-US" smtClean="0"/>
-              <a:t>2/9/24</a:t>
+              <a:t>1/23/24</a:t>
             </a:fld>
             <a:endParaRPr lang="en-US"/>
           </a:p>
@@ -1014,7 +1014,7 @@
           <a:p>
             <a:fld id="{964302DC-9F53-934F-AE4D-0F1F197008C1}" type="datetimeFigureOut">
               <a:rPr lang="en-US" smtClean="0"/>
-              <a:t>2/9/24</a:t>
+              <a:t>1/23/24</a:t>
             </a:fld>
             <a:endParaRPr lang="en-US"/>
           </a:p>
@@ -1246,7 +1246,7 @@
           <a:p>
             <a:fld id="{964302DC-9F53-934F-AE4D-0F1F197008C1}" type="datetimeFigureOut">
               <a:rPr lang="en-US" smtClean="0"/>
-              <a:t>2/9/24</a:t>
+              <a:t>1/23/24</a:t>
             </a:fld>
             <a:endParaRPr lang="en-US"/>
           </a:p>
@@ -1613,7 +1613,7 @@
           <a:p>
             <a:fld id="{964302DC-9F53-934F-AE4D-0F1F197008C1}" type="datetimeFigureOut">
               <a:rPr lang="en-US" smtClean="0"/>
-              <a:t>2/9/24</a:t>
+              <a:t>1/23/24</a:t>
             </a:fld>
             <a:endParaRPr lang="en-US"/>
           </a:p>
@@ -1731,7 +1731,7 @@
           <a:p>
             <a:fld id="{964302DC-9F53-934F-AE4D-0F1F197008C1}" type="datetimeFigureOut">
               <a:rPr lang="en-US" smtClean="0"/>
-              <a:t>2/9/24</a:t>
+              <a:t>1/23/24</a:t>
             </a:fld>
             <a:endParaRPr lang="en-US"/>
           </a:p>
@@ -1826,7 +1826,7 @@
           <a:p>
             <a:fld id="{964302DC-9F53-934F-AE4D-0F1F197008C1}" type="datetimeFigureOut">
               <a:rPr lang="en-US" smtClean="0"/>
-              <a:t>2/9/24</a:t>
+              <a:t>1/23/24</a:t>
             </a:fld>
             <a:endParaRPr lang="en-US"/>
           </a:p>
@@ -2103,7 +2103,7 @@
           <a:p>
             <a:fld id="{964302DC-9F53-934F-AE4D-0F1F197008C1}" type="datetimeFigureOut">
               <a:rPr lang="en-US" smtClean="0"/>
-              <a:t>2/9/24</a:t>
+              <a:t>1/23/24</a:t>
             </a:fld>
             <a:endParaRPr lang="en-US"/>
           </a:p>
@@ -2360,7 +2360,7 @@
           <a:p>
             <a:fld id="{964302DC-9F53-934F-AE4D-0F1F197008C1}" type="datetimeFigureOut">
               <a:rPr lang="en-US" smtClean="0"/>
-              <a:t>2/9/24</a:t>
+              <a:t>1/23/24</a:t>
             </a:fld>
             <a:endParaRPr lang="en-US"/>
           </a:p>
@@ -2582,7 +2582,7 @@
           <a:p>
             <a:fld id="{964302DC-9F53-934F-AE4D-0F1F197008C1}" type="datetimeFigureOut">
               <a:rPr lang="en-US" smtClean="0"/>
-              <a:t>2/9/24</a:t>
+              <a:t>1/23/24</a:t>
             </a:fld>
             <a:endParaRPr lang="en-US"/>
           </a:p>
@@ -8682,6 +8682,222 @@
           </a:p>
         </p:txBody>
       </p:sp>
+      <p:sp>
+        <p:nvSpPr>
+          <p:cNvPr id="36" name="Rectangle 35">
+            <a:extLst>
+              <a:ext uri="{FF2B5EF4-FFF2-40B4-BE49-F238E27FC236}">
+                <a16:creationId xmlns:a16="http://schemas.microsoft.com/office/drawing/2014/main" id="{0A967832-F2A2-5864-C0F0-848D9603588C}"/>
+              </a:ext>
+            </a:extLst>
+          </p:cNvPr>
+          <p:cNvSpPr/>
+          <p:nvPr/>
+        </p:nvSpPr>
+        <p:spPr>
+          <a:xfrm>
+            <a:off x="4473083" y="2266137"/>
+            <a:ext cx="1901908" cy="215009"/>
+          </a:xfrm>
+          <a:custGeom>
+            <a:avLst/>
+            <a:gdLst>
+              <a:gd name="connsiteX0" fmla="*/ 0 w 1901908"/>
+              <a:gd name="connsiteY0" fmla="*/ 0 h 215009"/>
+              <a:gd name="connsiteX1" fmla="*/ 672007 w 1901908"/>
+              <a:gd name="connsiteY1" fmla="*/ 0 h 215009"/>
+              <a:gd name="connsiteX2" fmla="*/ 1324996 w 1901908"/>
+              <a:gd name="connsiteY2" fmla="*/ 0 h 215009"/>
+              <a:gd name="connsiteX3" fmla="*/ 1901908 w 1901908"/>
+              <a:gd name="connsiteY3" fmla="*/ 0 h 215009"/>
+              <a:gd name="connsiteX4" fmla="*/ 1901908 w 1901908"/>
+              <a:gd name="connsiteY4" fmla="*/ 215009 h 215009"/>
+              <a:gd name="connsiteX5" fmla="*/ 1305977 w 1901908"/>
+              <a:gd name="connsiteY5" fmla="*/ 215009 h 215009"/>
+              <a:gd name="connsiteX6" fmla="*/ 672007 w 1901908"/>
+              <a:gd name="connsiteY6" fmla="*/ 215009 h 215009"/>
+              <a:gd name="connsiteX7" fmla="*/ 0 w 1901908"/>
+              <a:gd name="connsiteY7" fmla="*/ 215009 h 215009"/>
+              <a:gd name="connsiteX8" fmla="*/ 0 w 1901908"/>
+              <a:gd name="connsiteY8" fmla="*/ 0 h 215009"/>
+            </a:gdLst>
+            <a:ahLst/>
+            <a:cxnLst>
+              <a:cxn ang="0">
+                <a:pos x="connsiteX0" y="connsiteY0"/>
+              </a:cxn>
+              <a:cxn ang="0">
+                <a:pos x="connsiteX1" y="connsiteY1"/>
+              </a:cxn>
+              <a:cxn ang="0">
+                <a:pos x="connsiteX2" y="connsiteY2"/>
+              </a:cxn>
+              <a:cxn ang="0">
+                <a:pos x="connsiteX3" y="connsiteY3"/>
+              </a:cxn>
+              <a:cxn ang="0">
+                <a:pos x="connsiteX4" y="connsiteY4"/>
+              </a:cxn>
+              <a:cxn ang="0">
+                <a:pos x="connsiteX5" y="connsiteY5"/>
+              </a:cxn>
+              <a:cxn ang="0">
+                <a:pos x="connsiteX6" y="connsiteY6"/>
+              </a:cxn>
+              <a:cxn ang="0">
+                <a:pos x="connsiteX7" y="connsiteY7"/>
+              </a:cxn>
+              <a:cxn ang="0">
+                <a:pos x="connsiteX8" y="connsiteY8"/>
+              </a:cxn>
+            </a:cxnLst>
+            <a:rect l="l" t="t" r="r" b="b"/>
+            <a:pathLst>
+              <a:path w="1901908" h="215009" fill="none" extrusionOk="0">
+                <a:moveTo>
+                  <a:pt x="0" y="0"/>
+                </a:moveTo>
+                <a:cubicBezTo>
+                  <a:pt x="280313" y="4614"/>
+                  <a:pt x="525143" y="6773"/>
+                  <a:pt x="672007" y="0"/>
+                </a:cubicBezTo>
+                <a:cubicBezTo>
+                  <a:pt x="818871" y="-6773"/>
+                  <a:pt x="1166724" y="6675"/>
+                  <a:pt x="1324996" y="0"/>
+                </a:cubicBezTo>
+                <a:cubicBezTo>
+                  <a:pt x="1483268" y="-6675"/>
+                  <a:pt x="1705998" y="-22742"/>
+                  <a:pt x="1901908" y="0"/>
+                </a:cubicBezTo>
+                <a:cubicBezTo>
+                  <a:pt x="1896640" y="80377"/>
+                  <a:pt x="1900306" y="113549"/>
+                  <a:pt x="1901908" y="215009"/>
+                </a:cubicBezTo>
+                <a:cubicBezTo>
+                  <a:pt x="1728699" y="231342"/>
+                  <a:pt x="1476427" y="207266"/>
+                  <a:pt x="1305977" y="215009"/>
+                </a:cubicBezTo>
+                <a:cubicBezTo>
+                  <a:pt x="1135527" y="222752"/>
+                  <a:pt x="951399" y="205797"/>
+                  <a:pt x="672007" y="215009"/>
+                </a:cubicBezTo>
+                <a:cubicBezTo>
+                  <a:pt x="392615" y="224222"/>
+                  <a:pt x="315559" y="190599"/>
+                  <a:pt x="0" y="215009"/>
+                </a:cubicBezTo>
+                <a:cubicBezTo>
+                  <a:pt x="-2438" y="123297"/>
+                  <a:pt x="-3410" y="83469"/>
+                  <a:pt x="0" y="0"/>
+                </a:cubicBezTo>
+                <a:close/>
+              </a:path>
+              <a:path w="1901908" h="215009" stroke="0" extrusionOk="0">
+                <a:moveTo>
+                  <a:pt x="0" y="0"/>
+                </a:moveTo>
+                <a:cubicBezTo>
+                  <a:pt x="192817" y="6680"/>
+                  <a:pt x="342295" y="-10906"/>
+                  <a:pt x="614950" y="0"/>
+                </a:cubicBezTo>
+                <a:cubicBezTo>
+                  <a:pt x="887605" y="10906"/>
+                  <a:pt x="925297" y="15077"/>
+                  <a:pt x="1191862" y="0"/>
+                </a:cubicBezTo>
+                <a:cubicBezTo>
+                  <a:pt x="1458427" y="-15077"/>
+                  <a:pt x="1750947" y="-18021"/>
+                  <a:pt x="1901908" y="0"/>
+                </a:cubicBezTo>
+                <a:cubicBezTo>
+                  <a:pt x="1908793" y="67152"/>
+                  <a:pt x="1892391" y="156295"/>
+                  <a:pt x="1901908" y="215009"/>
+                </a:cubicBezTo>
+                <a:cubicBezTo>
+                  <a:pt x="1621835" y="218574"/>
+                  <a:pt x="1576164" y="234339"/>
+                  <a:pt x="1305977" y="215009"/>
+                </a:cubicBezTo>
+                <a:cubicBezTo>
+                  <a:pt x="1035790" y="195679"/>
+                  <a:pt x="907206" y="237094"/>
+                  <a:pt x="633969" y="215009"/>
+                </a:cubicBezTo>
+                <a:cubicBezTo>
+                  <a:pt x="360732" y="192924"/>
+                  <a:pt x="316327" y="185958"/>
+                  <a:pt x="0" y="215009"/>
+                </a:cubicBezTo>
+                <a:cubicBezTo>
+                  <a:pt x="5572" y="114517"/>
+                  <a:pt x="-6554" y="52986"/>
+                  <a:pt x="0" y="0"/>
+                </a:cubicBezTo>
+                <a:close/>
+              </a:path>
+            </a:pathLst>
+          </a:custGeom>
+          <a:solidFill>
+            <a:schemeClr val="accent4">
+              <a:lumMod val="60000"/>
+              <a:lumOff val="40000"/>
+            </a:schemeClr>
+          </a:solidFill>
+          <a:ln w="12700">
+            <a:solidFill>
+              <a:schemeClr val="tx1"/>
+            </a:solidFill>
+            <a:extLst>
+              <a:ext uri="{C807C97D-BFC1-408E-A445-0C87EB9F89A2}">
+                <ask:lineSketchStyleProps xmlns:ask="http://schemas.microsoft.com/office/drawing/2018/sketchyshapes" sd="1219033472">
+                  <a:prstGeom prst="rect">
+                    <a:avLst/>
+                  </a:prstGeom>
+                  <ask:type>
+                    <ask:lineSketchFreehand/>
+                  </ask:type>
+                </ask:lineSketchStyleProps>
+              </a:ext>
+            </a:extLst>
+          </a:ln>
+          <a:effectLst/>
+        </p:spPr>
+        <p:style>
+          <a:lnRef idx="1">
+            <a:schemeClr val="accent4"/>
+          </a:lnRef>
+          <a:fillRef idx="2">
+            <a:schemeClr val="accent4"/>
+          </a:fillRef>
+          <a:effectRef idx="1">
+            <a:schemeClr val="accent4"/>
+          </a:effectRef>
+          <a:fontRef idx="minor">
+            <a:schemeClr val="dk1"/>
+          </a:fontRef>
+        </p:style>
+        <p:txBody>
+          <a:bodyPr rtlCol="0" anchor="ctr"/>
+          <a:lstStyle/>
+          <a:p>
+            <a:pPr algn="ctr"/>
+            <a:r>
+              <a:rPr lang="en-US" sz="1200" dirty="0"/>
+              <a:t>1a: Load the first argument</a:t>
+            </a:r>
+          </a:p>
+        </p:txBody>
+      </p:sp>
       <p:grpSp>
         <p:nvGrpSpPr>
           <p:cNvPr id="42" name="Group 41">
@@ -8801,6 +9017,192 @@
           </p:txBody>
         </p:sp>
       </p:grpSp>
+      <p:sp>
+        <p:nvSpPr>
+          <p:cNvPr id="56" name="Rectangle 55">
+            <a:extLst>
+              <a:ext uri="{FF2B5EF4-FFF2-40B4-BE49-F238E27FC236}">
+                <a16:creationId xmlns:a16="http://schemas.microsoft.com/office/drawing/2014/main" id="{8E8FF704-242A-1A66-291A-C50066713356}"/>
+              </a:ext>
+            </a:extLst>
+          </p:cNvPr>
+          <p:cNvSpPr/>
+          <p:nvPr/>
+        </p:nvSpPr>
+        <p:spPr>
+          <a:xfrm>
+            <a:off x="1924431" y="3250946"/>
+            <a:ext cx="1354331" cy="225881"/>
+          </a:xfrm>
+          <a:custGeom>
+            <a:avLst/>
+            <a:gdLst>
+              <a:gd name="connsiteX0" fmla="*/ 0 w 1354331"/>
+              <a:gd name="connsiteY0" fmla="*/ 0 h 225881"/>
+              <a:gd name="connsiteX1" fmla="*/ 704252 w 1354331"/>
+              <a:gd name="connsiteY1" fmla="*/ 0 h 225881"/>
+              <a:gd name="connsiteX2" fmla="*/ 1354331 w 1354331"/>
+              <a:gd name="connsiteY2" fmla="*/ 0 h 225881"/>
+              <a:gd name="connsiteX3" fmla="*/ 1354331 w 1354331"/>
+              <a:gd name="connsiteY3" fmla="*/ 225881 h 225881"/>
+              <a:gd name="connsiteX4" fmla="*/ 690709 w 1354331"/>
+              <a:gd name="connsiteY4" fmla="*/ 225881 h 225881"/>
+              <a:gd name="connsiteX5" fmla="*/ 0 w 1354331"/>
+              <a:gd name="connsiteY5" fmla="*/ 225881 h 225881"/>
+              <a:gd name="connsiteX6" fmla="*/ 0 w 1354331"/>
+              <a:gd name="connsiteY6" fmla="*/ 0 h 225881"/>
+            </a:gdLst>
+            <a:ahLst/>
+            <a:cxnLst>
+              <a:cxn ang="0">
+                <a:pos x="connsiteX0" y="connsiteY0"/>
+              </a:cxn>
+              <a:cxn ang="0">
+                <a:pos x="connsiteX1" y="connsiteY1"/>
+              </a:cxn>
+              <a:cxn ang="0">
+                <a:pos x="connsiteX2" y="connsiteY2"/>
+              </a:cxn>
+              <a:cxn ang="0">
+                <a:pos x="connsiteX3" y="connsiteY3"/>
+              </a:cxn>
+              <a:cxn ang="0">
+                <a:pos x="connsiteX4" y="connsiteY4"/>
+              </a:cxn>
+              <a:cxn ang="0">
+                <a:pos x="connsiteX5" y="connsiteY5"/>
+              </a:cxn>
+              <a:cxn ang="0">
+                <a:pos x="connsiteX6" y="connsiteY6"/>
+              </a:cxn>
+            </a:cxnLst>
+            <a:rect l="l" t="t" r="r" b="b"/>
+            <a:pathLst>
+              <a:path w="1354331" h="225881" fill="none" extrusionOk="0">
+                <a:moveTo>
+                  <a:pt x="0" y="0"/>
+                </a:moveTo>
+                <a:cubicBezTo>
+                  <a:pt x="278284" y="12412"/>
+                  <a:pt x="352884" y="-11056"/>
+                  <a:pt x="704252" y="0"/>
+                </a:cubicBezTo>
+                <a:cubicBezTo>
+                  <a:pt x="1055620" y="11056"/>
+                  <a:pt x="1040659" y="3186"/>
+                  <a:pt x="1354331" y="0"/>
+                </a:cubicBezTo>
+                <a:cubicBezTo>
+                  <a:pt x="1353592" y="55659"/>
+                  <a:pt x="1354656" y="122129"/>
+                  <a:pt x="1354331" y="225881"/>
+                </a:cubicBezTo>
+                <a:cubicBezTo>
+                  <a:pt x="1164033" y="251015"/>
+                  <a:pt x="921893" y="198087"/>
+                  <a:pt x="690709" y="225881"/>
+                </a:cubicBezTo>
+                <a:cubicBezTo>
+                  <a:pt x="459525" y="253675"/>
+                  <a:pt x="312255" y="218147"/>
+                  <a:pt x="0" y="225881"/>
+                </a:cubicBezTo>
+                <a:cubicBezTo>
+                  <a:pt x="-5511" y="155530"/>
+                  <a:pt x="5724" y="104639"/>
+                  <a:pt x="0" y="0"/>
+                </a:cubicBezTo>
+                <a:close/>
+              </a:path>
+              <a:path w="1354331" h="225881" stroke="0" extrusionOk="0">
+                <a:moveTo>
+                  <a:pt x="0" y="0"/>
+                </a:moveTo>
+                <a:cubicBezTo>
+                  <a:pt x="199380" y="20741"/>
+                  <a:pt x="493810" y="8957"/>
+                  <a:pt x="663622" y="0"/>
+                </a:cubicBezTo>
+                <a:cubicBezTo>
+                  <a:pt x="833434" y="-8957"/>
+                  <a:pt x="1042496" y="10538"/>
+                  <a:pt x="1354331" y="0"/>
+                </a:cubicBezTo>
+                <a:cubicBezTo>
+                  <a:pt x="1351458" y="77980"/>
+                  <a:pt x="1359672" y="132624"/>
+                  <a:pt x="1354331" y="225881"/>
+                </a:cubicBezTo>
+                <a:cubicBezTo>
+                  <a:pt x="1078056" y="250189"/>
+                  <a:pt x="897028" y="240273"/>
+                  <a:pt x="677166" y="225881"/>
+                </a:cubicBezTo>
+                <a:cubicBezTo>
+                  <a:pt x="457304" y="211489"/>
+                  <a:pt x="186420" y="257266"/>
+                  <a:pt x="0" y="225881"/>
+                </a:cubicBezTo>
+                <a:cubicBezTo>
+                  <a:pt x="10724" y="142189"/>
+                  <a:pt x="-3428" y="88809"/>
+                  <a:pt x="0" y="0"/>
+                </a:cubicBezTo>
+                <a:close/>
+              </a:path>
+            </a:pathLst>
+          </a:custGeom>
+          <a:solidFill>
+            <a:schemeClr val="accent4">
+              <a:lumMod val="60000"/>
+              <a:lumOff val="40000"/>
+            </a:schemeClr>
+          </a:solidFill>
+          <a:ln w="12700">
+            <a:solidFill>
+              <a:schemeClr val="tx1"/>
+            </a:solidFill>
+            <a:extLst>
+              <a:ext uri="{C807C97D-BFC1-408E-A445-0C87EB9F89A2}">
+                <ask:lineSketchStyleProps xmlns:ask="http://schemas.microsoft.com/office/drawing/2018/sketchyshapes" sd="1219033472">
+                  <a:prstGeom prst="rect">
+                    <a:avLst/>
+                  </a:prstGeom>
+                  <ask:type>
+                    <ask:lineSketchFreehand/>
+                  </ask:type>
+                </ask:lineSketchStyleProps>
+              </a:ext>
+            </a:extLst>
+          </a:ln>
+          <a:effectLst/>
+        </p:spPr>
+        <p:style>
+          <a:lnRef idx="1">
+            <a:schemeClr val="accent4"/>
+          </a:lnRef>
+          <a:fillRef idx="2">
+            <a:schemeClr val="accent4"/>
+          </a:fillRef>
+          <a:effectRef idx="1">
+            <a:schemeClr val="accent4"/>
+          </a:effectRef>
+          <a:fontRef idx="minor">
+            <a:schemeClr val="dk1"/>
+          </a:fontRef>
+        </p:style>
+        <p:txBody>
+          <a:bodyPr rtlCol="0" anchor="ctr"/>
+          <a:lstStyle/>
+          <a:p>
+            <a:pPr algn="ctr"/>
+            <a:r>
+              <a:rPr lang="en-US" sz="1200" dirty="0"/>
+              <a:t>Increment counter</a:t>
+            </a:r>
+          </a:p>
+        </p:txBody>
+      </p:sp>
     </p:spTree>
     <p:extLst>
       <p:ext uri="{BB962C8B-B14F-4D97-AF65-F5344CB8AC3E}">
@@ -11806,6 +12208,268 @@
           </a:fontRef>
         </p:style>
       </p:cxnSp>
+      <p:sp>
+        <p:nvSpPr>
+          <p:cNvPr id="32" name="Rectangle 31">
+            <a:extLst>
+              <a:ext uri="{FF2B5EF4-FFF2-40B4-BE49-F238E27FC236}">
+                <a16:creationId xmlns:a16="http://schemas.microsoft.com/office/drawing/2014/main" id="{761ECD16-E39D-FDA3-DE68-C689066F06B2}"/>
+              </a:ext>
+            </a:extLst>
+          </p:cNvPr>
+          <p:cNvSpPr/>
+          <p:nvPr/>
+        </p:nvSpPr>
+        <p:spPr>
+          <a:xfrm>
+            <a:off x="2850199" y="2193591"/>
+            <a:ext cx="2650168" cy="215009"/>
+          </a:xfrm>
+          <a:custGeom>
+            <a:avLst/>
+            <a:gdLst>
+              <a:gd name="connsiteX0" fmla="*/ 0 w 2650168"/>
+              <a:gd name="connsiteY0" fmla="*/ 0 h 215009"/>
+              <a:gd name="connsiteX1" fmla="*/ 636040 w 2650168"/>
+              <a:gd name="connsiteY1" fmla="*/ 0 h 215009"/>
+              <a:gd name="connsiteX2" fmla="*/ 1298582 w 2650168"/>
+              <a:gd name="connsiteY2" fmla="*/ 0 h 215009"/>
+              <a:gd name="connsiteX3" fmla="*/ 1961124 w 2650168"/>
+              <a:gd name="connsiteY3" fmla="*/ 0 h 215009"/>
+              <a:gd name="connsiteX4" fmla="*/ 2650168 w 2650168"/>
+              <a:gd name="connsiteY4" fmla="*/ 0 h 215009"/>
+              <a:gd name="connsiteX5" fmla="*/ 2650168 w 2650168"/>
+              <a:gd name="connsiteY5" fmla="*/ 215009 h 215009"/>
+              <a:gd name="connsiteX6" fmla="*/ 1987626 w 2650168"/>
+              <a:gd name="connsiteY6" fmla="*/ 215009 h 215009"/>
+              <a:gd name="connsiteX7" fmla="*/ 1378087 w 2650168"/>
+              <a:gd name="connsiteY7" fmla="*/ 215009 h 215009"/>
+              <a:gd name="connsiteX8" fmla="*/ 768549 w 2650168"/>
+              <a:gd name="connsiteY8" fmla="*/ 215009 h 215009"/>
+              <a:gd name="connsiteX9" fmla="*/ 0 w 2650168"/>
+              <a:gd name="connsiteY9" fmla="*/ 215009 h 215009"/>
+              <a:gd name="connsiteX10" fmla="*/ 0 w 2650168"/>
+              <a:gd name="connsiteY10" fmla="*/ 0 h 215009"/>
+            </a:gdLst>
+            <a:ahLst/>
+            <a:cxnLst>
+              <a:cxn ang="0">
+                <a:pos x="connsiteX0" y="connsiteY0"/>
+              </a:cxn>
+              <a:cxn ang="0">
+                <a:pos x="connsiteX1" y="connsiteY1"/>
+              </a:cxn>
+              <a:cxn ang="0">
+                <a:pos x="connsiteX2" y="connsiteY2"/>
+              </a:cxn>
+              <a:cxn ang="0">
+                <a:pos x="connsiteX3" y="connsiteY3"/>
+              </a:cxn>
+              <a:cxn ang="0">
+                <a:pos x="connsiteX4" y="connsiteY4"/>
+              </a:cxn>
+              <a:cxn ang="0">
+                <a:pos x="connsiteX5" y="connsiteY5"/>
+              </a:cxn>
+              <a:cxn ang="0">
+                <a:pos x="connsiteX6" y="connsiteY6"/>
+              </a:cxn>
+              <a:cxn ang="0">
+                <a:pos x="connsiteX7" y="connsiteY7"/>
+              </a:cxn>
+              <a:cxn ang="0">
+                <a:pos x="connsiteX8" y="connsiteY8"/>
+              </a:cxn>
+              <a:cxn ang="0">
+                <a:pos x="connsiteX9" y="connsiteY9"/>
+              </a:cxn>
+              <a:cxn ang="0">
+                <a:pos x="connsiteX10" y="connsiteY10"/>
+              </a:cxn>
+            </a:cxnLst>
+            <a:rect l="l" t="t" r="r" b="b"/>
+            <a:pathLst>
+              <a:path w="2650168" h="215009" fill="none" extrusionOk="0">
+                <a:moveTo>
+                  <a:pt x="0" y="0"/>
+                </a:moveTo>
+                <a:cubicBezTo>
+                  <a:pt x="264984" y="2488"/>
+                  <a:pt x="447642" y="-565"/>
+                  <a:pt x="636040" y="0"/>
+                </a:cubicBezTo>
+                <a:cubicBezTo>
+                  <a:pt x="824438" y="565"/>
+                  <a:pt x="994207" y="16184"/>
+                  <a:pt x="1298582" y="0"/>
+                </a:cubicBezTo>
+                <a:cubicBezTo>
+                  <a:pt x="1602957" y="-16184"/>
+                  <a:pt x="1819316" y="6350"/>
+                  <a:pt x="1961124" y="0"/>
+                </a:cubicBezTo>
+                <a:cubicBezTo>
+                  <a:pt x="2102932" y="-6350"/>
+                  <a:pt x="2343954" y="-2024"/>
+                  <a:pt x="2650168" y="0"/>
+                </a:cubicBezTo>
+                <a:cubicBezTo>
+                  <a:pt x="2653202" y="106384"/>
+                  <a:pt x="2639588" y="165930"/>
+                  <a:pt x="2650168" y="215009"/>
+                </a:cubicBezTo>
+                <a:cubicBezTo>
+                  <a:pt x="2364546" y="203019"/>
+                  <a:pt x="2230990" y="224684"/>
+                  <a:pt x="1987626" y="215009"/>
+                </a:cubicBezTo>
+                <a:cubicBezTo>
+                  <a:pt x="1744262" y="205334"/>
+                  <a:pt x="1581034" y="196812"/>
+                  <a:pt x="1378087" y="215009"/>
+                </a:cubicBezTo>
+                <a:cubicBezTo>
+                  <a:pt x="1175140" y="233206"/>
+                  <a:pt x="968086" y="224284"/>
+                  <a:pt x="768549" y="215009"/>
+                </a:cubicBezTo>
+                <a:cubicBezTo>
+                  <a:pt x="569012" y="205734"/>
+                  <a:pt x="329182" y="234833"/>
+                  <a:pt x="0" y="215009"/>
+                </a:cubicBezTo>
+                <a:cubicBezTo>
+                  <a:pt x="-10297" y="140803"/>
+                  <a:pt x="634" y="65882"/>
+                  <a:pt x="0" y="0"/>
+                </a:cubicBezTo>
+                <a:close/>
+              </a:path>
+              <a:path w="2650168" h="215009" stroke="0" extrusionOk="0">
+                <a:moveTo>
+                  <a:pt x="0" y="0"/>
+                </a:moveTo>
+                <a:cubicBezTo>
+                  <a:pt x="149646" y="-19219"/>
+                  <a:pt x="378979" y="-10411"/>
+                  <a:pt x="636040" y="0"/>
+                </a:cubicBezTo>
+                <a:cubicBezTo>
+                  <a:pt x="893101" y="10411"/>
+                  <a:pt x="1074584" y="4578"/>
+                  <a:pt x="1219077" y="0"/>
+                </a:cubicBezTo>
+                <a:cubicBezTo>
+                  <a:pt x="1363570" y="-4578"/>
+                  <a:pt x="1732226" y="16647"/>
+                  <a:pt x="1934623" y="0"/>
+                </a:cubicBezTo>
+                <a:cubicBezTo>
+                  <a:pt x="2137020" y="-16647"/>
+                  <a:pt x="2299221" y="-7585"/>
+                  <a:pt x="2650168" y="0"/>
+                </a:cubicBezTo>
+                <a:cubicBezTo>
+                  <a:pt x="2644859" y="68936"/>
+                  <a:pt x="2658418" y="165072"/>
+                  <a:pt x="2650168" y="215009"/>
+                </a:cubicBezTo>
+                <a:cubicBezTo>
+                  <a:pt x="2460819" y="193206"/>
+                  <a:pt x="2344435" y="187847"/>
+                  <a:pt x="2040629" y="215009"/>
+                </a:cubicBezTo>
+                <a:cubicBezTo>
+                  <a:pt x="1736823" y="242171"/>
+                  <a:pt x="1578696" y="220394"/>
+                  <a:pt x="1431091" y="215009"/>
+                </a:cubicBezTo>
+                <a:cubicBezTo>
+                  <a:pt x="1283486" y="209624"/>
+                  <a:pt x="994613" y="233516"/>
+                  <a:pt x="715545" y="215009"/>
+                </a:cubicBezTo>
+                <a:cubicBezTo>
+                  <a:pt x="436477" y="196502"/>
+                  <a:pt x="322157" y="212819"/>
+                  <a:pt x="0" y="215009"/>
+                </a:cubicBezTo>
+                <a:cubicBezTo>
+                  <a:pt x="2723" y="159660"/>
+                  <a:pt x="2609" y="79632"/>
+                  <a:pt x="0" y="0"/>
+                </a:cubicBezTo>
+                <a:close/>
+              </a:path>
+            </a:pathLst>
+          </a:custGeom>
+          <a:solidFill>
+            <a:schemeClr val="accent4">
+              <a:lumMod val="60000"/>
+              <a:lumOff val="40000"/>
+            </a:schemeClr>
+          </a:solidFill>
+          <a:ln w="12700">
+            <a:solidFill>
+              <a:schemeClr val="tx1"/>
+            </a:solidFill>
+            <a:extLst>
+              <a:ext uri="{C807C97D-BFC1-408E-A445-0C87EB9F89A2}">
+                <ask:lineSketchStyleProps xmlns:ask="http://schemas.microsoft.com/office/drawing/2018/sketchyshapes" sd="1219033472">
+                  <a:prstGeom prst="rect">
+                    <a:avLst/>
+                  </a:prstGeom>
+                  <ask:type>
+                    <ask:lineSketchFreehand/>
+                  </ask:type>
+                </ask:lineSketchStyleProps>
+              </a:ext>
+            </a:extLst>
+          </a:ln>
+          <a:effectLst/>
+        </p:spPr>
+        <p:style>
+          <a:lnRef idx="1">
+            <a:schemeClr val="accent4"/>
+          </a:lnRef>
+          <a:fillRef idx="2">
+            <a:schemeClr val="accent4"/>
+          </a:fillRef>
+          <a:effectRef idx="1">
+            <a:schemeClr val="accent4"/>
+          </a:effectRef>
+          <a:fontRef idx="minor">
+            <a:schemeClr val="dk1"/>
+          </a:fontRef>
+        </p:style>
+        <p:txBody>
+          <a:bodyPr rtlCol="0" anchor="ctr"/>
+          <a:lstStyle/>
+          <a:p>
+            <a:pPr algn="ctr"/>
+            <a:r>
+              <a:rPr lang="en-US" sz="1200" dirty="0"/>
+              <a:t>1b, 1c: Load the 2</a:t>
+            </a:r>
+            <a:r>
+              <a:rPr lang="en-US" sz="1200" baseline="30000" dirty="0"/>
+              <a:t>nd</a:t>
+            </a:r>
+            <a:r>
+              <a:rPr lang="en-US" sz="1200" dirty="0"/>
+              <a:t> and 3</a:t>
+            </a:r>
+            <a:r>
+              <a:rPr lang="en-US" sz="1200" baseline="30000" dirty="0"/>
+              <a:t>rd</a:t>
+            </a:r>
+            <a:r>
+              <a:rPr lang="en-US" sz="1200" dirty="0"/>
+              <a:t> arguments</a:t>
+            </a:r>
+          </a:p>
+        </p:txBody>
+      </p:sp>
       <p:grpSp>
         <p:nvGrpSpPr>
           <p:cNvPr id="33" name="Group 32">
@@ -11925,6 +12589,192 @@
           </p:txBody>
         </p:sp>
       </p:grpSp>
+      <p:sp>
+        <p:nvSpPr>
+          <p:cNvPr id="42" name="Rectangle 41">
+            <a:extLst>
+              <a:ext uri="{FF2B5EF4-FFF2-40B4-BE49-F238E27FC236}">
+                <a16:creationId xmlns:a16="http://schemas.microsoft.com/office/drawing/2014/main" id="{4AD84AD8-FD66-9A2A-7FC7-284E549C4047}"/>
+              </a:ext>
+            </a:extLst>
+          </p:cNvPr>
+          <p:cNvSpPr/>
+          <p:nvPr/>
+        </p:nvSpPr>
+        <p:spPr>
+          <a:xfrm>
+            <a:off x="1924431" y="3250946"/>
+            <a:ext cx="1354331" cy="225881"/>
+          </a:xfrm>
+          <a:custGeom>
+            <a:avLst/>
+            <a:gdLst>
+              <a:gd name="connsiteX0" fmla="*/ 0 w 1354331"/>
+              <a:gd name="connsiteY0" fmla="*/ 0 h 225881"/>
+              <a:gd name="connsiteX1" fmla="*/ 704252 w 1354331"/>
+              <a:gd name="connsiteY1" fmla="*/ 0 h 225881"/>
+              <a:gd name="connsiteX2" fmla="*/ 1354331 w 1354331"/>
+              <a:gd name="connsiteY2" fmla="*/ 0 h 225881"/>
+              <a:gd name="connsiteX3" fmla="*/ 1354331 w 1354331"/>
+              <a:gd name="connsiteY3" fmla="*/ 225881 h 225881"/>
+              <a:gd name="connsiteX4" fmla="*/ 690709 w 1354331"/>
+              <a:gd name="connsiteY4" fmla="*/ 225881 h 225881"/>
+              <a:gd name="connsiteX5" fmla="*/ 0 w 1354331"/>
+              <a:gd name="connsiteY5" fmla="*/ 225881 h 225881"/>
+              <a:gd name="connsiteX6" fmla="*/ 0 w 1354331"/>
+              <a:gd name="connsiteY6" fmla="*/ 0 h 225881"/>
+            </a:gdLst>
+            <a:ahLst/>
+            <a:cxnLst>
+              <a:cxn ang="0">
+                <a:pos x="connsiteX0" y="connsiteY0"/>
+              </a:cxn>
+              <a:cxn ang="0">
+                <a:pos x="connsiteX1" y="connsiteY1"/>
+              </a:cxn>
+              <a:cxn ang="0">
+                <a:pos x="connsiteX2" y="connsiteY2"/>
+              </a:cxn>
+              <a:cxn ang="0">
+                <a:pos x="connsiteX3" y="connsiteY3"/>
+              </a:cxn>
+              <a:cxn ang="0">
+                <a:pos x="connsiteX4" y="connsiteY4"/>
+              </a:cxn>
+              <a:cxn ang="0">
+                <a:pos x="connsiteX5" y="connsiteY5"/>
+              </a:cxn>
+              <a:cxn ang="0">
+                <a:pos x="connsiteX6" y="connsiteY6"/>
+              </a:cxn>
+            </a:cxnLst>
+            <a:rect l="l" t="t" r="r" b="b"/>
+            <a:pathLst>
+              <a:path w="1354331" h="225881" fill="none" extrusionOk="0">
+                <a:moveTo>
+                  <a:pt x="0" y="0"/>
+                </a:moveTo>
+                <a:cubicBezTo>
+                  <a:pt x="278284" y="12412"/>
+                  <a:pt x="352884" y="-11056"/>
+                  <a:pt x="704252" y="0"/>
+                </a:cubicBezTo>
+                <a:cubicBezTo>
+                  <a:pt x="1055620" y="11056"/>
+                  <a:pt x="1040659" y="3186"/>
+                  <a:pt x="1354331" y="0"/>
+                </a:cubicBezTo>
+                <a:cubicBezTo>
+                  <a:pt x="1353592" y="55659"/>
+                  <a:pt x="1354656" y="122129"/>
+                  <a:pt x="1354331" y="225881"/>
+                </a:cubicBezTo>
+                <a:cubicBezTo>
+                  <a:pt x="1164033" y="251015"/>
+                  <a:pt x="921893" y="198087"/>
+                  <a:pt x="690709" y="225881"/>
+                </a:cubicBezTo>
+                <a:cubicBezTo>
+                  <a:pt x="459525" y="253675"/>
+                  <a:pt x="312255" y="218147"/>
+                  <a:pt x="0" y="225881"/>
+                </a:cubicBezTo>
+                <a:cubicBezTo>
+                  <a:pt x="-5511" y="155530"/>
+                  <a:pt x="5724" y="104639"/>
+                  <a:pt x="0" y="0"/>
+                </a:cubicBezTo>
+                <a:close/>
+              </a:path>
+              <a:path w="1354331" h="225881" stroke="0" extrusionOk="0">
+                <a:moveTo>
+                  <a:pt x="0" y="0"/>
+                </a:moveTo>
+                <a:cubicBezTo>
+                  <a:pt x="199380" y="20741"/>
+                  <a:pt x="493810" y="8957"/>
+                  <a:pt x="663622" y="0"/>
+                </a:cubicBezTo>
+                <a:cubicBezTo>
+                  <a:pt x="833434" y="-8957"/>
+                  <a:pt x="1042496" y="10538"/>
+                  <a:pt x="1354331" y="0"/>
+                </a:cubicBezTo>
+                <a:cubicBezTo>
+                  <a:pt x="1351458" y="77980"/>
+                  <a:pt x="1359672" y="132624"/>
+                  <a:pt x="1354331" y="225881"/>
+                </a:cubicBezTo>
+                <a:cubicBezTo>
+                  <a:pt x="1078056" y="250189"/>
+                  <a:pt x="897028" y="240273"/>
+                  <a:pt x="677166" y="225881"/>
+                </a:cubicBezTo>
+                <a:cubicBezTo>
+                  <a:pt x="457304" y="211489"/>
+                  <a:pt x="186420" y="257266"/>
+                  <a:pt x="0" y="225881"/>
+                </a:cubicBezTo>
+                <a:cubicBezTo>
+                  <a:pt x="10724" y="142189"/>
+                  <a:pt x="-3428" y="88809"/>
+                  <a:pt x="0" y="0"/>
+                </a:cubicBezTo>
+                <a:close/>
+              </a:path>
+            </a:pathLst>
+          </a:custGeom>
+          <a:solidFill>
+            <a:schemeClr val="accent4">
+              <a:lumMod val="60000"/>
+              <a:lumOff val="40000"/>
+            </a:schemeClr>
+          </a:solidFill>
+          <a:ln w="12700">
+            <a:solidFill>
+              <a:schemeClr val="tx1"/>
+            </a:solidFill>
+            <a:extLst>
+              <a:ext uri="{C807C97D-BFC1-408E-A445-0C87EB9F89A2}">
+                <ask:lineSketchStyleProps xmlns:ask="http://schemas.microsoft.com/office/drawing/2018/sketchyshapes" sd="1219033472">
+                  <a:prstGeom prst="rect">
+                    <a:avLst/>
+                  </a:prstGeom>
+                  <ask:type>
+                    <ask:lineSketchFreehand/>
+                  </ask:type>
+                </ask:lineSketchStyleProps>
+              </a:ext>
+            </a:extLst>
+          </a:ln>
+          <a:effectLst/>
+        </p:spPr>
+        <p:style>
+          <a:lnRef idx="1">
+            <a:schemeClr val="accent4"/>
+          </a:lnRef>
+          <a:fillRef idx="2">
+            <a:schemeClr val="accent4"/>
+          </a:fillRef>
+          <a:effectRef idx="1">
+            <a:schemeClr val="accent4"/>
+          </a:effectRef>
+          <a:fontRef idx="minor">
+            <a:schemeClr val="dk1"/>
+          </a:fontRef>
+        </p:style>
+        <p:txBody>
+          <a:bodyPr rtlCol="0" anchor="ctr"/>
+          <a:lstStyle/>
+          <a:p>
+            <a:pPr algn="ctr"/>
+            <a:r>
+              <a:rPr lang="en-US" sz="1200" dirty="0"/>
+              <a:t>Increment counter</a:t>
+            </a:r>
+          </a:p>
+        </p:txBody>
+      </p:sp>
     </p:spTree>
     <p:extLst>
       <p:ext uri="{BB962C8B-B14F-4D97-AF65-F5344CB8AC3E}">
@@ -15114,6 +15964,222 @@
           </p:txBody>
         </p:sp>
       </p:grpSp>
+      <p:sp>
+        <p:nvSpPr>
+          <p:cNvPr id="32" name="Rectangle 31">
+            <a:extLst>
+              <a:ext uri="{FF2B5EF4-FFF2-40B4-BE49-F238E27FC236}">
+                <a16:creationId xmlns:a16="http://schemas.microsoft.com/office/drawing/2014/main" id="{C25E594A-0319-4F47-6203-4B768D78F8C2}"/>
+              </a:ext>
+            </a:extLst>
+          </p:cNvPr>
+          <p:cNvSpPr/>
+          <p:nvPr/>
+        </p:nvSpPr>
+        <p:spPr>
+          <a:xfrm>
+            <a:off x="925524" y="3069922"/>
+            <a:ext cx="1901908" cy="215009"/>
+          </a:xfrm>
+          <a:custGeom>
+            <a:avLst/>
+            <a:gdLst>
+              <a:gd name="connsiteX0" fmla="*/ 0 w 1901908"/>
+              <a:gd name="connsiteY0" fmla="*/ 0 h 215009"/>
+              <a:gd name="connsiteX1" fmla="*/ 672007 w 1901908"/>
+              <a:gd name="connsiteY1" fmla="*/ 0 h 215009"/>
+              <a:gd name="connsiteX2" fmla="*/ 1324996 w 1901908"/>
+              <a:gd name="connsiteY2" fmla="*/ 0 h 215009"/>
+              <a:gd name="connsiteX3" fmla="*/ 1901908 w 1901908"/>
+              <a:gd name="connsiteY3" fmla="*/ 0 h 215009"/>
+              <a:gd name="connsiteX4" fmla="*/ 1901908 w 1901908"/>
+              <a:gd name="connsiteY4" fmla="*/ 215009 h 215009"/>
+              <a:gd name="connsiteX5" fmla="*/ 1305977 w 1901908"/>
+              <a:gd name="connsiteY5" fmla="*/ 215009 h 215009"/>
+              <a:gd name="connsiteX6" fmla="*/ 672007 w 1901908"/>
+              <a:gd name="connsiteY6" fmla="*/ 215009 h 215009"/>
+              <a:gd name="connsiteX7" fmla="*/ 0 w 1901908"/>
+              <a:gd name="connsiteY7" fmla="*/ 215009 h 215009"/>
+              <a:gd name="connsiteX8" fmla="*/ 0 w 1901908"/>
+              <a:gd name="connsiteY8" fmla="*/ 0 h 215009"/>
+            </a:gdLst>
+            <a:ahLst/>
+            <a:cxnLst>
+              <a:cxn ang="0">
+                <a:pos x="connsiteX0" y="connsiteY0"/>
+              </a:cxn>
+              <a:cxn ang="0">
+                <a:pos x="connsiteX1" y="connsiteY1"/>
+              </a:cxn>
+              <a:cxn ang="0">
+                <a:pos x="connsiteX2" y="connsiteY2"/>
+              </a:cxn>
+              <a:cxn ang="0">
+                <a:pos x="connsiteX3" y="connsiteY3"/>
+              </a:cxn>
+              <a:cxn ang="0">
+                <a:pos x="connsiteX4" y="connsiteY4"/>
+              </a:cxn>
+              <a:cxn ang="0">
+                <a:pos x="connsiteX5" y="connsiteY5"/>
+              </a:cxn>
+              <a:cxn ang="0">
+                <a:pos x="connsiteX6" y="connsiteY6"/>
+              </a:cxn>
+              <a:cxn ang="0">
+                <a:pos x="connsiteX7" y="connsiteY7"/>
+              </a:cxn>
+              <a:cxn ang="0">
+                <a:pos x="connsiteX8" y="connsiteY8"/>
+              </a:cxn>
+            </a:cxnLst>
+            <a:rect l="l" t="t" r="r" b="b"/>
+            <a:pathLst>
+              <a:path w="1901908" h="215009" fill="none" extrusionOk="0">
+                <a:moveTo>
+                  <a:pt x="0" y="0"/>
+                </a:moveTo>
+                <a:cubicBezTo>
+                  <a:pt x="280313" y="4614"/>
+                  <a:pt x="525143" y="6773"/>
+                  <a:pt x="672007" y="0"/>
+                </a:cubicBezTo>
+                <a:cubicBezTo>
+                  <a:pt x="818871" y="-6773"/>
+                  <a:pt x="1166724" y="6675"/>
+                  <a:pt x="1324996" y="0"/>
+                </a:cubicBezTo>
+                <a:cubicBezTo>
+                  <a:pt x="1483268" y="-6675"/>
+                  <a:pt x="1705998" y="-22742"/>
+                  <a:pt x="1901908" y="0"/>
+                </a:cubicBezTo>
+                <a:cubicBezTo>
+                  <a:pt x="1896640" y="80377"/>
+                  <a:pt x="1900306" y="113549"/>
+                  <a:pt x="1901908" y="215009"/>
+                </a:cubicBezTo>
+                <a:cubicBezTo>
+                  <a:pt x="1728699" y="231342"/>
+                  <a:pt x="1476427" y="207266"/>
+                  <a:pt x="1305977" y="215009"/>
+                </a:cubicBezTo>
+                <a:cubicBezTo>
+                  <a:pt x="1135527" y="222752"/>
+                  <a:pt x="951399" y="205797"/>
+                  <a:pt x="672007" y="215009"/>
+                </a:cubicBezTo>
+                <a:cubicBezTo>
+                  <a:pt x="392615" y="224222"/>
+                  <a:pt x="315559" y="190599"/>
+                  <a:pt x="0" y="215009"/>
+                </a:cubicBezTo>
+                <a:cubicBezTo>
+                  <a:pt x="-2438" y="123297"/>
+                  <a:pt x="-3410" y="83469"/>
+                  <a:pt x="0" y="0"/>
+                </a:cubicBezTo>
+                <a:close/>
+              </a:path>
+              <a:path w="1901908" h="215009" stroke="0" extrusionOk="0">
+                <a:moveTo>
+                  <a:pt x="0" y="0"/>
+                </a:moveTo>
+                <a:cubicBezTo>
+                  <a:pt x="192817" y="6680"/>
+                  <a:pt x="342295" y="-10906"/>
+                  <a:pt x="614950" y="0"/>
+                </a:cubicBezTo>
+                <a:cubicBezTo>
+                  <a:pt x="887605" y="10906"/>
+                  <a:pt x="925297" y="15077"/>
+                  <a:pt x="1191862" y="0"/>
+                </a:cubicBezTo>
+                <a:cubicBezTo>
+                  <a:pt x="1458427" y="-15077"/>
+                  <a:pt x="1750947" y="-18021"/>
+                  <a:pt x="1901908" y="0"/>
+                </a:cubicBezTo>
+                <a:cubicBezTo>
+                  <a:pt x="1908793" y="67152"/>
+                  <a:pt x="1892391" y="156295"/>
+                  <a:pt x="1901908" y="215009"/>
+                </a:cubicBezTo>
+                <a:cubicBezTo>
+                  <a:pt x="1621835" y="218574"/>
+                  <a:pt x="1576164" y="234339"/>
+                  <a:pt x="1305977" y="215009"/>
+                </a:cubicBezTo>
+                <a:cubicBezTo>
+                  <a:pt x="1035790" y="195679"/>
+                  <a:pt x="907206" y="237094"/>
+                  <a:pt x="633969" y="215009"/>
+                </a:cubicBezTo>
+                <a:cubicBezTo>
+                  <a:pt x="360732" y="192924"/>
+                  <a:pt x="316327" y="185958"/>
+                  <a:pt x="0" y="215009"/>
+                </a:cubicBezTo>
+                <a:cubicBezTo>
+                  <a:pt x="5572" y="114517"/>
+                  <a:pt x="-6554" y="52986"/>
+                  <a:pt x="0" y="0"/>
+                </a:cubicBezTo>
+                <a:close/>
+              </a:path>
+            </a:pathLst>
+          </a:custGeom>
+          <a:solidFill>
+            <a:schemeClr val="accent4">
+              <a:lumMod val="60000"/>
+              <a:lumOff val="40000"/>
+            </a:schemeClr>
+          </a:solidFill>
+          <a:ln w="12700">
+            <a:solidFill>
+              <a:schemeClr val="tx1"/>
+            </a:solidFill>
+            <a:extLst>
+              <a:ext uri="{C807C97D-BFC1-408E-A445-0C87EB9F89A2}">
+                <ask:lineSketchStyleProps xmlns:ask="http://schemas.microsoft.com/office/drawing/2018/sketchyshapes" sd="1219033472">
+                  <a:prstGeom prst="rect">
+                    <a:avLst/>
+                  </a:prstGeom>
+                  <ask:type>
+                    <ask:lineSketchFreehand/>
+                  </ask:type>
+                </ask:lineSketchStyleProps>
+              </a:ext>
+            </a:extLst>
+          </a:ln>
+          <a:effectLst/>
+        </p:spPr>
+        <p:style>
+          <a:lnRef idx="1">
+            <a:schemeClr val="accent4"/>
+          </a:lnRef>
+          <a:fillRef idx="2">
+            <a:schemeClr val="accent4"/>
+          </a:fillRef>
+          <a:effectRef idx="1">
+            <a:schemeClr val="accent4"/>
+          </a:effectRef>
+          <a:fontRef idx="minor">
+            <a:schemeClr val="dk1"/>
+          </a:fontRef>
+        </p:style>
+        <p:txBody>
+          <a:bodyPr rtlCol="0" anchor="ctr"/>
+          <a:lstStyle/>
+          <a:p>
+            <a:pPr algn="ctr"/>
+            <a:r>
+              <a:rPr lang="en-US" sz="1200" dirty="0"/>
+              <a:t>Save the program counter</a:t>
+            </a:r>
+          </a:p>
+        </p:txBody>
+      </p:sp>
     </p:spTree>
     <p:extLst>
       <p:ext uri="{BB962C8B-B14F-4D97-AF65-F5344CB8AC3E}">
@@ -18321,6 +19387,222 @@
                 </a:solidFill>
               </a:rPr>
               <a:t>1d</a:t>
+            </a:r>
+          </a:p>
+        </p:txBody>
+      </p:sp>
+      <p:sp>
+        <p:nvSpPr>
+          <p:cNvPr id="24" name="Rectangle 23">
+            <a:extLst>
+              <a:ext uri="{FF2B5EF4-FFF2-40B4-BE49-F238E27FC236}">
+                <a16:creationId xmlns:a16="http://schemas.microsoft.com/office/drawing/2014/main" id="{84148519-2B81-2215-DAC7-D83BCF767C24}"/>
+              </a:ext>
+            </a:extLst>
+          </p:cNvPr>
+          <p:cNvSpPr/>
+          <p:nvPr/>
+        </p:nvSpPr>
+        <p:spPr>
+          <a:xfrm>
+            <a:off x="1311401" y="2762950"/>
+            <a:ext cx="1901903" cy="357368"/>
+          </a:xfrm>
+          <a:custGeom>
+            <a:avLst/>
+            <a:gdLst>
+              <a:gd name="connsiteX0" fmla="*/ 0 w 1901903"/>
+              <a:gd name="connsiteY0" fmla="*/ 0 h 357368"/>
+              <a:gd name="connsiteX1" fmla="*/ 672006 w 1901903"/>
+              <a:gd name="connsiteY1" fmla="*/ 0 h 357368"/>
+              <a:gd name="connsiteX2" fmla="*/ 1324992 w 1901903"/>
+              <a:gd name="connsiteY2" fmla="*/ 0 h 357368"/>
+              <a:gd name="connsiteX3" fmla="*/ 1901903 w 1901903"/>
+              <a:gd name="connsiteY3" fmla="*/ 0 h 357368"/>
+              <a:gd name="connsiteX4" fmla="*/ 1901903 w 1901903"/>
+              <a:gd name="connsiteY4" fmla="*/ 357368 h 357368"/>
+              <a:gd name="connsiteX5" fmla="*/ 1305973 w 1901903"/>
+              <a:gd name="connsiteY5" fmla="*/ 357368 h 357368"/>
+              <a:gd name="connsiteX6" fmla="*/ 672006 w 1901903"/>
+              <a:gd name="connsiteY6" fmla="*/ 357368 h 357368"/>
+              <a:gd name="connsiteX7" fmla="*/ 0 w 1901903"/>
+              <a:gd name="connsiteY7" fmla="*/ 357368 h 357368"/>
+              <a:gd name="connsiteX8" fmla="*/ 0 w 1901903"/>
+              <a:gd name="connsiteY8" fmla="*/ 0 h 357368"/>
+            </a:gdLst>
+            <a:ahLst/>
+            <a:cxnLst>
+              <a:cxn ang="0">
+                <a:pos x="connsiteX0" y="connsiteY0"/>
+              </a:cxn>
+              <a:cxn ang="0">
+                <a:pos x="connsiteX1" y="connsiteY1"/>
+              </a:cxn>
+              <a:cxn ang="0">
+                <a:pos x="connsiteX2" y="connsiteY2"/>
+              </a:cxn>
+              <a:cxn ang="0">
+                <a:pos x="connsiteX3" y="connsiteY3"/>
+              </a:cxn>
+              <a:cxn ang="0">
+                <a:pos x="connsiteX4" y="connsiteY4"/>
+              </a:cxn>
+              <a:cxn ang="0">
+                <a:pos x="connsiteX5" y="connsiteY5"/>
+              </a:cxn>
+              <a:cxn ang="0">
+                <a:pos x="connsiteX6" y="connsiteY6"/>
+              </a:cxn>
+              <a:cxn ang="0">
+                <a:pos x="connsiteX7" y="connsiteY7"/>
+              </a:cxn>
+              <a:cxn ang="0">
+                <a:pos x="connsiteX8" y="connsiteY8"/>
+              </a:cxn>
+            </a:cxnLst>
+            <a:rect l="l" t="t" r="r" b="b"/>
+            <a:pathLst>
+              <a:path w="1901903" h="357368" fill="none" extrusionOk="0">
+                <a:moveTo>
+                  <a:pt x="0" y="0"/>
+                </a:moveTo>
+                <a:cubicBezTo>
+                  <a:pt x="284135" y="5919"/>
+                  <a:pt x="529545" y="8710"/>
+                  <a:pt x="672006" y="0"/>
+                </a:cubicBezTo>
+                <a:cubicBezTo>
+                  <a:pt x="814467" y="-8710"/>
+                  <a:pt x="1174152" y="21444"/>
+                  <a:pt x="1324992" y="0"/>
+                </a:cubicBezTo>
+                <a:cubicBezTo>
+                  <a:pt x="1475832" y="-21444"/>
+                  <a:pt x="1710720" y="-19862"/>
+                  <a:pt x="1901903" y="0"/>
+                </a:cubicBezTo>
+                <a:cubicBezTo>
+                  <a:pt x="1894828" y="168888"/>
+                  <a:pt x="1893757" y="229669"/>
+                  <a:pt x="1901903" y="357368"/>
+                </a:cubicBezTo>
+                <a:cubicBezTo>
+                  <a:pt x="1725592" y="373031"/>
+                  <a:pt x="1471779" y="343408"/>
+                  <a:pt x="1305973" y="357368"/>
+                </a:cubicBezTo>
+                <a:cubicBezTo>
+                  <a:pt x="1140167" y="371329"/>
+                  <a:pt x="948325" y="342582"/>
+                  <a:pt x="672006" y="357368"/>
+                </a:cubicBezTo>
+                <a:cubicBezTo>
+                  <a:pt x="395687" y="372154"/>
+                  <a:pt x="309518" y="329041"/>
+                  <a:pt x="0" y="357368"/>
+                </a:cubicBezTo>
+                <a:cubicBezTo>
+                  <a:pt x="-13287" y="261176"/>
+                  <a:pt x="15669" y="105142"/>
+                  <a:pt x="0" y="0"/>
+                </a:cubicBezTo>
+                <a:close/>
+              </a:path>
+              <a:path w="1901903" h="357368" stroke="0" extrusionOk="0">
+                <a:moveTo>
+                  <a:pt x="0" y="0"/>
+                </a:moveTo>
+                <a:cubicBezTo>
+                  <a:pt x="194846" y="9084"/>
+                  <a:pt x="344926" y="-6569"/>
+                  <a:pt x="614949" y="0"/>
+                </a:cubicBezTo>
+                <a:cubicBezTo>
+                  <a:pt x="884972" y="6569"/>
+                  <a:pt x="936391" y="25152"/>
+                  <a:pt x="1191859" y="0"/>
+                </a:cubicBezTo>
+                <a:cubicBezTo>
+                  <a:pt x="1447327" y="-25152"/>
+                  <a:pt x="1755254" y="-8458"/>
+                  <a:pt x="1901903" y="0"/>
+                </a:cubicBezTo>
+                <a:cubicBezTo>
+                  <a:pt x="1915262" y="86617"/>
+                  <a:pt x="1899995" y="207544"/>
+                  <a:pt x="1901903" y="357368"/>
+                </a:cubicBezTo>
+                <a:cubicBezTo>
+                  <a:pt x="1619990" y="355378"/>
+                  <a:pt x="1571247" y="372345"/>
+                  <a:pt x="1305973" y="357368"/>
+                </a:cubicBezTo>
+                <a:cubicBezTo>
+                  <a:pt x="1040699" y="342392"/>
+                  <a:pt x="901894" y="366267"/>
+                  <a:pt x="633968" y="357368"/>
+                </a:cubicBezTo>
+                <a:cubicBezTo>
+                  <a:pt x="366043" y="348469"/>
+                  <a:pt x="316267" y="326722"/>
+                  <a:pt x="0" y="357368"/>
+                </a:cubicBezTo>
+                <a:cubicBezTo>
+                  <a:pt x="48" y="244022"/>
+                  <a:pt x="13263" y="112916"/>
+                  <a:pt x="0" y="0"/>
+                </a:cubicBezTo>
+                <a:close/>
+              </a:path>
+            </a:pathLst>
+          </a:custGeom>
+          <a:solidFill>
+            <a:schemeClr val="accent4">
+              <a:lumMod val="60000"/>
+              <a:lumOff val="40000"/>
+            </a:schemeClr>
+          </a:solidFill>
+          <a:ln w="12700">
+            <a:solidFill>
+              <a:schemeClr val="tx1"/>
+            </a:solidFill>
+            <a:extLst>
+              <a:ext uri="{C807C97D-BFC1-408E-A445-0C87EB9F89A2}">
+                <ask:lineSketchStyleProps xmlns:ask="http://schemas.microsoft.com/office/drawing/2018/sketchyshapes" sd="1219033472">
+                  <a:prstGeom prst="rect">
+                    <a:avLst/>
+                  </a:prstGeom>
+                  <ask:type>
+                    <ask:lineSketchFreehand/>
+                  </ask:type>
+                </ask:lineSketchStyleProps>
+              </a:ext>
+            </a:extLst>
+          </a:ln>
+          <a:effectLst/>
+        </p:spPr>
+        <p:style>
+          <a:lnRef idx="1">
+            <a:schemeClr val="accent4"/>
+          </a:lnRef>
+          <a:fillRef idx="2">
+            <a:schemeClr val="accent4"/>
+          </a:fillRef>
+          <a:effectRef idx="1">
+            <a:schemeClr val="accent4"/>
+          </a:effectRef>
+          <a:fontRef idx="minor">
+            <a:schemeClr val="dk1"/>
+          </a:fontRef>
+        </p:style>
+        <p:txBody>
+          <a:bodyPr rtlCol="0" anchor="ctr"/>
+          <a:lstStyle/>
+          <a:p>
+            <a:pPr algn="ctr"/>
+            <a:r>
+              <a:rPr lang="en-US" sz="1200" dirty="0"/>
+              <a:t>Program counter points to first instruction in method</a:t>
             </a:r>
           </a:p>
         </p:txBody>
@@ -25338,9 +26620,9 @@
         <p:grpSpPr>
           <a:xfrm>
             <a:off x="1443231" y="987050"/>
-            <a:ext cx="891100" cy="2898955"/>
-            <a:chOff x="1668759" y="-13958062"/>
-            <a:chExt cx="487849" cy="22198521"/>
+            <a:ext cx="891098" cy="2655623"/>
+            <a:chOff x="1668759" y="-13958058"/>
+            <a:chExt cx="487848" cy="22198517"/>
           </a:xfrm>
         </p:grpSpPr>
         <p:cxnSp>
@@ -26372,6 +27654,222 @@
           <a:p>
             <a:pPr algn="ctr"/>
             <a:endParaRPr lang="en-US"/>
+          </a:p>
+        </p:txBody>
+      </p:sp>
+      <p:sp>
+        <p:nvSpPr>
+          <p:cNvPr id="24" name="Rectangle 23">
+            <a:extLst>
+              <a:ext uri="{FF2B5EF4-FFF2-40B4-BE49-F238E27FC236}">
+                <a16:creationId xmlns:a16="http://schemas.microsoft.com/office/drawing/2014/main" id="{1AC7B072-B228-FA1C-5722-463D39F362D5}"/>
+              </a:ext>
+            </a:extLst>
+          </p:cNvPr>
+          <p:cNvSpPr/>
+          <p:nvPr/>
+        </p:nvSpPr>
+        <p:spPr>
+          <a:xfrm>
+            <a:off x="836246" y="3062453"/>
+            <a:ext cx="1744032" cy="208559"/>
+          </a:xfrm>
+          <a:custGeom>
+            <a:avLst/>
+            <a:gdLst>
+              <a:gd name="connsiteX0" fmla="*/ 0 w 1744032"/>
+              <a:gd name="connsiteY0" fmla="*/ 0 h 208559"/>
+              <a:gd name="connsiteX1" fmla="*/ 616225 w 1744032"/>
+              <a:gd name="connsiteY1" fmla="*/ 0 h 208559"/>
+              <a:gd name="connsiteX2" fmla="*/ 1215009 w 1744032"/>
+              <a:gd name="connsiteY2" fmla="*/ 0 h 208559"/>
+              <a:gd name="connsiteX3" fmla="*/ 1744032 w 1744032"/>
+              <a:gd name="connsiteY3" fmla="*/ 0 h 208559"/>
+              <a:gd name="connsiteX4" fmla="*/ 1744032 w 1744032"/>
+              <a:gd name="connsiteY4" fmla="*/ 208559 h 208559"/>
+              <a:gd name="connsiteX5" fmla="*/ 1197569 w 1744032"/>
+              <a:gd name="connsiteY5" fmla="*/ 208559 h 208559"/>
+              <a:gd name="connsiteX6" fmla="*/ 616225 w 1744032"/>
+              <a:gd name="connsiteY6" fmla="*/ 208559 h 208559"/>
+              <a:gd name="connsiteX7" fmla="*/ 0 w 1744032"/>
+              <a:gd name="connsiteY7" fmla="*/ 208559 h 208559"/>
+              <a:gd name="connsiteX8" fmla="*/ 0 w 1744032"/>
+              <a:gd name="connsiteY8" fmla="*/ 0 h 208559"/>
+            </a:gdLst>
+            <a:ahLst/>
+            <a:cxnLst>
+              <a:cxn ang="0">
+                <a:pos x="connsiteX0" y="connsiteY0"/>
+              </a:cxn>
+              <a:cxn ang="0">
+                <a:pos x="connsiteX1" y="connsiteY1"/>
+              </a:cxn>
+              <a:cxn ang="0">
+                <a:pos x="connsiteX2" y="connsiteY2"/>
+              </a:cxn>
+              <a:cxn ang="0">
+                <a:pos x="connsiteX3" y="connsiteY3"/>
+              </a:cxn>
+              <a:cxn ang="0">
+                <a:pos x="connsiteX4" y="connsiteY4"/>
+              </a:cxn>
+              <a:cxn ang="0">
+                <a:pos x="connsiteX5" y="connsiteY5"/>
+              </a:cxn>
+              <a:cxn ang="0">
+                <a:pos x="connsiteX6" y="connsiteY6"/>
+              </a:cxn>
+              <a:cxn ang="0">
+                <a:pos x="connsiteX7" y="connsiteY7"/>
+              </a:cxn>
+              <a:cxn ang="0">
+                <a:pos x="connsiteX8" y="connsiteY8"/>
+              </a:cxn>
+            </a:cxnLst>
+            <a:rect l="l" t="t" r="r" b="b"/>
+            <a:pathLst>
+              <a:path w="1744032" h="208559" fill="none" extrusionOk="0">
+                <a:moveTo>
+                  <a:pt x="0" y="0"/>
+                </a:moveTo>
+                <a:cubicBezTo>
+                  <a:pt x="297846" y="21163"/>
+                  <a:pt x="420740" y="23897"/>
+                  <a:pt x="616225" y="0"/>
+                </a:cubicBezTo>
+                <a:cubicBezTo>
+                  <a:pt x="811711" y="-23897"/>
+                  <a:pt x="970906" y="-28269"/>
+                  <a:pt x="1215009" y="0"/>
+                </a:cubicBezTo>
+                <a:cubicBezTo>
+                  <a:pt x="1459112" y="28269"/>
+                  <a:pt x="1630693" y="-1957"/>
+                  <a:pt x="1744032" y="0"/>
+                </a:cubicBezTo>
+                <a:cubicBezTo>
+                  <a:pt x="1738645" y="89181"/>
+                  <a:pt x="1743503" y="161148"/>
+                  <a:pt x="1744032" y="208559"/>
+                </a:cubicBezTo>
+                <a:cubicBezTo>
+                  <a:pt x="1549047" y="204642"/>
+                  <a:pt x="1457633" y="200216"/>
+                  <a:pt x="1197569" y="208559"/>
+                </a:cubicBezTo>
+                <a:cubicBezTo>
+                  <a:pt x="937505" y="216902"/>
+                  <a:pt x="876440" y="215456"/>
+                  <a:pt x="616225" y="208559"/>
+                </a:cubicBezTo>
+                <a:cubicBezTo>
+                  <a:pt x="356010" y="201662"/>
+                  <a:pt x="133435" y="235961"/>
+                  <a:pt x="0" y="208559"/>
+                </a:cubicBezTo>
+                <a:cubicBezTo>
+                  <a:pt x="-1660" y="127673"/>
+                  <a:pt x="-8353" y="64823"/>
+                  <a:pt x="0" y="0"/>
+                </a:cubicBezTo>
+                <a:close/>
+              </a:path>
+              <a:path w="1744032" h="208559" stroke="0" extrusionOk="0">
+                <a:moveTo>
+                  <a:pt x="0" y="0"/>
+                </a:moveTo>
+                <a:cubicBezTo>
+                  <a:pt x="216451" y="2752"/>
+                  <a:pt x="326699" y="-25875"/>
+                  <a:pt x="563904" y="0"/>
+                </a:cubicBezTo>
+                <a:cubicBezTo>
+                  <a:pt x="801109" y="25875"/>
+                  <a:pt x="871031" y="9454"/>
+                  <a:pt x="1092927" y="0"/>
+                </a:cubicBezTo>
+                <a:cubicBezTo>
+                  <a:pt x="1314823" y="-9454"/>
+                  <a:pt x="1508410" y="1285"/>
+                  <a:pt x="1744032" y="0"/>
+                </a:cubicBezTo>
+                <a:cubicBezTo>
+                  <a:pt x="1742868" y="85891"/>
+                  <a:pt x="1752931" y="128682"/>
+                  <a:pt x="1744032" y="208559"/>
+                </a:cubicBezTo>
+                <a:cubicBezTo>
+                  <a:pt x="1608263" y="196526"/>
+                  <a:pt x="1390404" y="192686"/>
+                  <a:pt x="1197569" y="208559"/>
+                </a:cubicBezTo>
+                <a:cubicBezTo>
+                  <a:pt x="1004734" y="224432"/>
+                  <a:pt x="810559" y="229606"/>
+                  <a:pt x="581344" y="208559"/>
+                </a:cubicBezTo>
+                <a:cubicBezTo>
+                  <a:pt x="352130" y="187512"/>
+                  <a:pt x="160536" y="228422"/>
+                  <a:pt x="0" y="208559"/>
+                </a:cubicBezTo>
+                <a:cubicBezTo>
+                  <a:pt x="-3533" y="127589"/>
+                  <a:pt x="3563" y="63239"/>
+                  <a:pt x="0" y="0"/>
+                </a:cubicBezTo>
+                <a:close/>
+              </a:path>
+            </a:pathLst>
+          </a:custGeom>
+          <a:solidFill>
+            <a:schemeClr val="accent4">
+              <a:lumMod val="60000"/>
+              <a:lumOff val="40000"/>
+            </a:schemeClr>
+          </a:solidFill>
+          <a:ln w="12700">
+            <a:solidFill>
+              <a:schemeClr val="tx1"/>
+            </a:solidFill>
+            <a:extLst>
+              <a:ext uri="{C807C97D-BFC1-408E-A445-0C87EB9F89A2}">
+                <ask:lineSketchStyleProps xmlns:ask="http://schemas.microsoft.com/office/drawing/2018/sketchyshapes" sd="1219033472">
+                  <a:prstGeom prst="rect">
+                    <a:avLst/>
+                  </a:prstGeom>
+                  <ask:type>
+                    <ask:lineSketchFreehand/>
+                  </ask:type>
+                </ask:lineSketchStyleProps>
+              </a:ext>
+            </a:extLst>
+          </a:ln>
+          <a:effectLst/>
+        </p:spPr>
+        <p:style>
+          <a:lnRef idx="1">
+            <a:schemeClr val="accent4"/>
+          </a:lnRef>
+          <a:fillRef idx="2">
+            <a:schemeClr val="accent4"/>
+          </a:fillRef>
+          <a:effectRef idx="1">
+            <a:schemeClr val="accent4"/>
+          </a:effectRef>
+          <a:fontRef idx="minor">
+            <a:schemeClr val="dk1"/>
+          </a:fontRef>
+        </p:style>
+        <p:txBody>
+          <a:bodyPr rtlCol="0" anchor="ctr"/>
+          <a:lstStyle/>
+          <a:p>
+            <a:pPr algn="ctr"/>
+            <a:r>
+              <a:rPr lang="en-US" sz="1200" dirty="0"/>
+              <a:t>Restore program counter</a:t>
+            </a:r>
           </a:p>
         </p:txBody>
       </p:sp>
@@ -29861,6 +31359,222 @@
       </p:grpSp>
       <p:sp>
         <p:nvSpPr>
+          <p:cNvPr id="54" name="Rectangle 53">
+            <a:extLst>
+              <a:ext uri="{FF2B5EF4-FFF2-40B4-BE49-F238E27FC236}">
+                <a16:creationId xmlns:a16="http://schemas.microsoft.com/office/drawing/2014/main" id="{0D35C079-83C0-961B-783A-F4CB4CC2C37A}"/>
+              </a:ext>
+            </a:extLst>
+          </p:cNvPr>
+          <p:cNvSpPr/>
+          <p:nvPr/>
+        </p:nvSpPr>
+        <p:spPr>
+          <a:xfrm>
+            <a:off x="383665" y="1521874"/>
+            <a:ext cx="1744032" cy="369332"/>
+          </a:xfrm>
+          <a:custGeom>
+            <a:avLst/>
+            <a:gdLst>
+              <a:gd name="connsiteX0" fmla="*/ 0 w 1744032"/>
+              <a:gd name="connsiteY0" fmla="*/ 0 h 369332"/>
+              <a:gd name="connsiteX1" fmla="*/ 616225 w 1744032"/>
+              <a:gd name="connsiteY1" fmla="*/ 0 h 369332"/>
+              <a:gd name="connsiteX2" fmla="*/ 1215009 w 1744032"/>
+              <a:gd name="connsiteY2" fmla="*/ 0 h 369332"/>
+              <a:gd name="connsiteX3" fmla="*/ 1744032 w 1744032"/>
+              <a:gd name="connsiteY3" fmla="*/ 0 h 369332"/>
+              <a:gd name="connsiteX4" fmla="*/ 1744032 w 1744032"/>
+              <a:gd name="connsiteY4" fmla="*/ 369332 h 369332"/>
+              <a:gd name="connsiteX5" fmla="*/ 1197569 w 1744032"/>
+              <a:gd name="connsiteY5" fmla="*/ 369332 h 369332"/>
+              <a:gd name="connsiteX6" fmla="*/ 616225 w 1744032"/>
+              <a:gd name="connsiteY6" fmla="*/ 369332 h 369332"/>
+              <a:gd name="connsiteX7" fmla="*/ 0 w 1744032"/>
+              <a:gd name="connsiteY7" fmla="*/ 369332 h 369332"/>
+              <a:gd name="connsiteX8" fmla="*/ 0 w 1744032"/>
+              <a:gd name="connsiteY8" fmla="*/ 0 h 369332"/>
+            </a:gdLst>
+            <a:ahLst/>
+            <a:cxnLst>
+              <a:cxn ang="0">
+                <a:pos x="connsiteX0" y="connsiteY0"/>
+              </a:cxn>
+              <a:cxn ang="0">
+                <a:pos x="connsiteX1" y="connsiteY1"/>
+              </a:cxn>
+              <a:cxn ang="0">
+                <a:pos x="connsiteX2" y="connsiteY2"/>
+              </a:cxn>
+              <a:cxn ang="0">
+                <a:pos x="connsiteX3" y="connsiteY3"/>
+              </a:cxn>
+              <a:cxn ang="0">
+                <a:pos x="connsiteX4" y="connsiteY4"/>
+              </a:cxn>
+              <a:cxn ang="0">
+                <a:pos x="connsiteX5" y="connsiteY5"/>
+              </a:cxn>
+              <a:cxn ang="0">
+                <a:pos x="connsiteX6" y="connsiteY6"/>
+              </a:cxn>
+              <a:cxn ang="0">
+                <a:pos x="connsiteX7" y="connsiteY7"/>
+              </a:cxn>
+              <a:cxn ang="0">
+                <a:pos x="connsiteX8" y="connsiteY8"/>
+              </a:cxn>
+            </a:cxnLst>
+            <a:rect l="l" t="t" r="r" b="b"/>
+            <a:pathLst>
+              <a:path w="1744032" h="369332" fill="none" extrusionOk="0">
+                <a:moveTo>
+                  <a:pt x="0" y="0"/>
+                </a:moveTo>
+                <a:cubicBezTo>
+                  <a:pt x="297846" y="21163"/>
+                  <a:pt x="420740" y="23897"/>
+                  <a:pt x="616225" y="0"/>
+                </a:cubicBezTo>
+                <a:cubicBezTo>
+                  <a:pt x="811711" y="-23897"/>
+                  <a:pt x="970906" y="-28269"/>
+                  <a:pt x="1215009" y="0"/>
+                </a:cubicBezTo>
+                <a:cubicBezTo>
+                  <a:pt x="1459112" y="28269"/>
+                  <a:pt x="1630693" y="-1957"/>
+                  <a:pt x="1744032" y="0"/>
+                </a:cubicBezTo>
+                <a:cubicBezTo>
+                  <a:pt x="1751764" y="158233"/>
+                  <a:pt x="1755751" y="205698"/>
+                  <a:pt x="1744032" y="369332"/>
+                </a:cubicBezTo>
+                <a:cubicBezTo>
+                  <a:pt x="1549047" y="365415"/>
+                  <a:pt x="1457633" y="360989"/>
+                  <a:pt x="1197569" y="369332"/>
+                </a:cubicBezTo>
+                <a:cubicBezTo>
+                  <a:pt x="937505" y="377675"/>
+                  <a:pt x="876440" y="376229"/>
+                  <a:pt x="616225" y="369332"/>
+                </a:cubicBezTo>
+                <a:cubicBezTo>
+                  <a:pt x="356010" y="362435"/>
+                  <a:pt x="133435" y="396734"/>
+                  <a:pt x="0" y="369332"/>
+                </a:cubicBezTo>
+                <a:cubicBezTo>
+                  <a:pt x="-15551" y="280347"/>
+                  <a:pt x="9019" y="156341"/>
+                  <a:pt x="0" y="0"/>
+                </a:cubicBezTo>
+                <a:close/>
+              </a:path>
+              <a:path w="1744032" h="369332" stroke="0" extrusionOk="0">
+                <a:moveTo>
+                  <a:pt x="0" y="0"/>
+                </a:moveTo>
+                <a:cubicBezTo>
+                  <a:pt x="216451" y="2752"/>
+                  <a:pt x="326699" y="-25875"/>
+                  <a:pt x="563904" y="0"/>
+                </a:cubicBezTo>
+                <a:cubicBezTo>
+                  <a:pt x="801109" y="25875"/>
+                  <a:pt x="871031" y="9454"/>
+                  <a:pt x="1092927" y="0"/>
+                </a:cubicBezTo>
+                <a:cubicBezTo>
+                  <a:pt x="1314823" y="-9454"/>
+                  <a:pt x="1508410" y="1285"/>
+                  <a:pt x="1744032" y="0"/>
+                </a:cubicBezTo>
+                <a:cubicBezTo>
+                  <a:pt x="1746380" y="113493"/>
+                  <a:pt x="1735691" y="197069"/>
+                  <a:pt x="1744032" y="369332"/>
+                </a:cubicBezTo>
+                <a:cubicBezTo>
+                  <a:pt x="1608263" y="357299"/>
+                  <a:pt x="1390404" y="353459"/>
+                  <a:pt x="1197569" y="369332"/>
+                </a:cubicBezTo>
+                <a:cubicBezTo>
+                  <a:pt x="1004734" y="385205"/>
+                  <a:pt x="810559" y="390379"/>
+                  <a:pt x="581344" y="369332"/>
+                </a:cubicBezTo>
+                <a:cubicBezTo>
+                  <a:pt x="352130" y="348285"/>
+                  <a:pt x="160536" y="389195"/>
+                  <a:pt x="0" y="369332"/>
+                </a:cubicBezTo>
+                <a:cubicBezTo>
+                  <a:pt x="10524" y="225711"/>
+                  <a:pt x="8734" y="158340"/>
+                  <a:pt x="0" y="0"/>
+                </a:cubicBezTo>
+                <a:close/>
+              </a:path>
+            </a:pathLst>
+          </a:custGeom>
+          <a:solidFill>
+            <a:schemeClr val="accent4">
+              <a:lumMod val="60000"/>
+              <a:lumOff val="40000"/>
+            </a:schemeClr>
+          </a:solidFill>
+          <a:ln w="12700">
+            <a:solidFill>
+              <a:schemeClr val="tx1"/>
+            </a:solidFill>
+            <a:extLst>
+              <a:ext uri="{C807C97D-BFC1-408E-A445-0C87EB9F89A2}">
+                <ask:lineSketchStyleProps xmlns:ask="http://schemas.microsoft.com/office/drawing/2018/sketchyshapes" sd="1219033472">
+                  <a:prstGeom prst="rect">
+                    <a:avLst/>
+                  </a:prstGeom>
+                  <ask:type>
+                    <ask:lineSketchFreehand/>
+                  </ask:type>
+                </ask:lineSketchStyleProps>
+              </a:ext>
+            </a:extLst>
+          </a:ln>
+          <a:effectLst/>
+        </p:spPr>
+        <p:style>
+          <a:lnRef idx="1">
+            <a:schemeClr val="accent4"/>
+          </a:lnRef>
+          <a:fillRef idx="2">
+            <a:schemeClr val="accent4"/>
+          </a:fillRef>
+          <a:effectRef idx="1">
+            <a:schemeClr val="accent4"/>
+          </a:effectRef>
+          <a:fontRef idx="minor">
+            <a:schemeClr val="dk1"/>
+          </a:fontRef>
+        </p:style>
+        <p:txBody>
+          <a:bodyPr rtlCol="0" anchor="ctr"/>
+          <a:lstStyle/>
+          <a:p>
+            <a:pPr algn="ctr"/>
+            <a:r>
+              <a:rPr lang="en-US" sz="1200" dirty="0"/>
+              <a:t>Continue with next instruction</a:t>
+            </a:r>
+          </a:p>
+        </p:txBody>
+      </p:sp>
+      <p:sp>
+        <p:nvSpPr>
           <p:cNvPr id="9" name="Rectangle 8">
             <a:extLst>
               <a:ext uri="{FF2B5EF4-FFF2-40B4-BE49-F238E27FC236}">
